--- a/Documentation/MasterDiagramV1.pptx
+++ b/Documentation/MasterDiagramV1.pptx
@@ -292,7 +292,7 @@
           <a:p>
             <a:fld id="{6AB9F411-A911-4EC0-8BC1-9D7411600B13}" type="datetimeFigureOut">
               <a:rPr lang="en-ZA" smtClean="0"/>
-              <a:t>2019/01/11</a:t>
+              <a:t>2019/01/24</a:t>
             </a:fld>
             <a:endParaRPr lang="en-ZA"/>
           </a:p>
@@ -462,7 +462,7 @@
           <a:p>
             <a:fld id="{6AB9F411-A911-4EC0-8BC1-9D7411600B13}" type="datetimeFigureOut">
               <a:rPr lang="en-ZA" smtClean="0"/>
-              <a:t>2019/01/11</a:t>
+              <a:t>2019/01/24</a:t>
             </a:fld>
             <a:endParaRPr lang="en-ZA"/>
           </a:p>
@@ -642,7 +642,7 @@
           <a:p>
             <a:fld id="{6AB9F411-A911-4EC0-8BC1-9D7411600B13}" type="datetimeFigureOut">
               <a:rPr lang="en-ZA" smtClean="0"/>
-              <a:t>2019/01/11</a:t>
+              <a:t>2019/01/24</a:t>
             </a:fld>
             <a:endParaRPr lang="en-ZA"/>
           </a:p>
@@ -812,7 +812,7 @@
           <a:p>
             <a:fld id="{6AB9F411-A911-4EC0-8BC1-9D7411600B13}" type="datetimeFigureOut">
               <a:rPr lang="en-ZA" smtClean="0"/>
-              <a:t>2019/01/11</a:t>
+              <a:t>2019/01/24</a:t>
             </a:fld>
             <a:endParaRPr lang="en-ZA"/>
           </a:p>
@@ -1058,7 +1058,7 @@
           <a:p>
             <a:fld id="{6AB9F411-A911-4EC0-8BC1-9D7411600B13}" type="datetimeFigureOut">
               <a:rPr lang="en-ZA" smtClean="0"/>
-              <a:t>2019/01/11</a:t>
+              <a:t>2019/01/24</a:t>
             </a:fld>
             <a:endParaRPr lang="en-ZA"/>
           </a:p>
@@ -1290,7 +1290,7 @@
           <a:p>
             <a:fld id="{6AB9F411-A911-4EC0-8BC1-9D7411600B13}" type="datetimeFigureOut">
               <a:rPr lang="en-ZA" smtClean="0"/>
-              <a:t>2019/01/11</a:t>
+              <a:t>2019/01/24</a:t>
             </a:fld>
             <a:endParaRPr lang="en-ZA"/>
           </a:p>
@@ -1657,7 +1657,7 @@
           <a:p>
             <a:fld id="{6AB9F411-A911-4EC0-8BC1-9D7411600B13}" type="datetimeFigureOut">
               <a:rPr lang="en-ZA" smtClean="0"/>
-              <a:t>2019/01/11</a:t>
+              <a:t>2019/01/24</a:t>
             </a:fld>
             <a:endParaRPr lang="en-ZA"/>
           </a:p>
@@ -1775,7 +1775,7 @@
           <a:p>
             <a:fld id="{6AB9F411-A911-4EC0-8BC1-9D7411600B13}" type="datetimeFigureOut">
               <a:rPr lang="en-ZA" smtClean="0"/>
-              <a:t>2019/01/11</a:t>
+              <a:t>2019/01/24</a:t>
             </a:fld>
             <a:endParaRPr lang="en-ZA"/>
           </a:p>
@@ -1870,7 +1870,7 @@
           <a:p>
             <a:fld id="{6AB9F411-A911-4EC0-8BC1-9D7411600B13}" type="datetimeFigureOut">
               <a:rPr lang="en-ZA" smtClean="0"/>
-              <a:t>2019/01/11</a:t>
+              <a:t>2019/01/24</a:t>
             </a:fld>
             <a:endParaRPr lang="en-ZA"/>
           </a:p>
@@ -2147,7 +2147,7 @@
           <a:p>
             <a:fld id="{6AB9F411-A911-4EC0-8BC1-9D7411600B13}" type="datetimeFigureOut">
               <a:rPr lang="en-ZA" smtClean="0"/>
-              <a:t>2019/01/11</a:t>
+              <a:t>2019/01/24</a:t>
             </a:fld>
             <a:endParaRPr lang="en-ZA"/>
           </a:p>
@@ -2400,7 +2400,7 @@
           <a:p>
             <a:fld id="{6AB9F411-A911-4EC0-8BC1-9D7411600B13}" type="datetimeFigureOut">
               <a:rPr lang="en-ZA" smtClean="0"/>
-              <a:t>2019/01/11</a:t>
+              <a:t>2019/01/24</a:t>
             </a:fld>
             <a:endParaRPr lang="en-ZA"/>
           </a:p>
@@ -2613,7 +2613,7 @@
           <a:p>
             <a:fld id="{6AB9F411-A911-4EC0-8BC1-9D7411600B13}" type="datetimeFigureOut">
               <a:rPr lang="en-ZA" smtClean="0"/>
-              <a:t>2019/01/11</a:t>
+              <a:t>2019/01/24</a:t>
             </a:fld>
             <a:endParaRPr lang="en-ZA"/>
           </a:p>
@@ -3018,56 +3018,1066 @@
           <a:chExt cx="0" cy="0"/>
         </a:xfrm>
       </p:grpSpPr>
-      <p:sp>
-        <p:nvSpPr>
-          <p:cNvPr id="2" name="Title 1">
-            <a:extLst>
-              <a:ext uri="{FF2B5EF4-FFF2-40B4-BE49-F238E27FC236}">
-                <a16:creationId xmlns:a16="http://schemas.microsoft.com/office/drawing/2014/main" id="{F96F16ED-C690-4C9E-BE85-E290506BE1D8}"/>
-              </a:ext>
-            </a:extLst>
-          </p:cNvPr>
-          <p:cNvSpPr>
-            <a:spLocks noGrp="1"/>
-          </p:cNvSpPr>
-          <p:nvPr>
-            <p:ph type="title"/>
-          </p:nvPr>
-        </p:nvSpPr>
-        <p:spPr/>
-        <p:txBody>
-          <a:bodyPr/>
-          <a:lstStyle/>
-          <a:p>
+      <p:pic>
+        <p:nvPicPr>
+          <p:cNvPr id="41" name="Picture 40">
+            <a:extLst>
+              <a:ext uri="{FF2B5EF4-FFF2-40B4-BE49-F238E27FC236}">
+                <a16:creationId xmlns:a16="http://schemas.microsoft.com/office/drawing/2014/main" id="{BAE1CDC6-5689-4032-8A9C-F3A7918957BA}"/>
+              </a:ext>
+            </a:extLst>
+          </p:cNvPr>
+          <p:cNvPicPr>
+            <a:picLocks noChangeAspect="1"/>
+          </p:cNvPicPr>
+          <p:nvPr/>
+        </p:nvPicPr>
+        <p:blipFill>
+          <a:blip r:embed="rId2"/>
+          <a:stretch>
+            <a:fillRect/>
+          </a:stretch>
+        </p:blipFill>
+        <p:spPr>
+          <a:xfrm>
+            <a:off x="2641968" y="4398913"/>
+            <a:ext cx="456293" cy="442284"/>
+          </a:xfrm>
+          <a:prstGeom prst="rect">
+            <a:avLst/>
+          </a:prstGeom>
+        </p:spPr>
+      </p:pic>
+      <p:pic>
+        <p:nvPicPr>
+          <p:cNvPr id="42" name="Picture 41">
+            <a:extLst>
+              <a:ext uri="{FF2B5EF4-FFF2-40B4-BE49-F238E27FC236}">
+                <a16:creationId xmlns:a16="http://schemas.microsoft.com/office/drawing/2014/main" id="{A15BDB1E-4390-4479-A72E-0962A8048D13}"/>
+              </a:ext>
+            </a:extLst>
+          </p:cNvPr>
+          <p:cNvPicPr>
+            <a:picLocks noChangeAspect="1"/>
+          </p:cNvPicPr>
+          <p:nvPr/>
+        </p:nvPicPr>
+        <p:blipFill>
+          <a:blip r:embed="rId3"/>
+          <a:stretch>
+            <a:fillRect/>
+          </a:stretch>
+        </p:blipFill>
+        <p:spPr>
+          <a:xfrm>
+            <a:off x="1980318" y="4399424"/>
+            <a:ext cx="457263" cy="457263"/>
+          </a:xfrm>
+          <a:prstGeom prst="rect">
+            <a:avLst/>
+          </a:prstGeom>
+        </p:spPr>
+      </p:pic>
+      <p:sp>
+        <p:nvSpPr>
+          <p:cNvPr id="4" name="Rectangle 3">
+            <a:extLst>
+              <a:ext uri="{FF2B5EF4-FFF2-40B4-BE49-F238E27FC236}">
+                <a16:creationId xmlns:a16="http://schemas.microsoft.com/office/drawing/2014/main" id="{8506424D-1E4F-4D7E-B9BE-16B5C67F42E7}"/>
+              </a:ext>
+            </a:extLst>
+          </p:cNvPr>
+          <p:cNvSpPr/>
+          <p:nvPr/>
+        </p:nvSpPr>
+        <p:spPr>
+          <a:xfrm>
+            <a:off x="1404809" y="671483"/>
+            <a:ext cx="6096000" cy="1798252"/>
+          </a:xfrm>
+          <a:prstGeom prst="rect">
+            <a:avLst/>
+          </a:prstGeom>
+          <a:noFill/>
+        </p:spPr>
+        <p:style>
+          <a:lnRef idx="2">
+            <a:schemeClr val="accent1">
+              <a:shade val="50000"/>
+            </a:schemeClr>
+          </a:lnRef>
+          <a:fillRef idx="1">
+            <a:schemeClr val="accent1"/>
+          </a:fillRef>
+          <a:effectRef idx="0">
+            <a:schemeClr val="accent1"/>
+          </a:effectRef>
+          <a:fontRef idx="minor">
+            <a:schemeClr val="lt1"/>
+          </a:fontRef>
+        </p:style>
+        <p:txBody>
+          <a:bodyPr rtlCol="0" anchor="ctr"/>
+          <a:lstStyle/>
+          <a:p>
+            <a:pPr algn="ctr"/>
             <a:endParaRPr lang="en-ZA"/>
           </a:p>
         </p:txBody>
       </p:sp>
       <p:sp>
         <p:nvSpPr>
-          <p:cNvPr id="3" name="Content Placeholder 2">
-            <a:extLst>
-              <a:ext uri="{FF2B5EF4-FFF2-40B4-BE49-F238E27FC236}">
-                <a16:creationId xmlns:a16="http://schemas.microsoft.com/office/drawing/2014/main" id="{0692ABA7-72A0-4C1A-9490-4B336B8DA84F}"/>
-              </a:ext>
-            </a:extLst>
-          </p:cNvPr>
-          <p:cNvSpPr>
-            <a:spLocks noGrp="1"/>
-          </p:cNvSpPr>
-          <p:nvPr>
-            <p:ph idx="1"/>
-          </p:nvPr>
-        </p:nvSpPr>
-        <p:spPr/>
-        <p:txBody>
-          <a:bodyPr/>
-          <a:lstStyle/>
-          <a:p>
+          <p:cNvPr id="8" name="Rectangle 7">
+            <a:extLst>
+              <a:ext uri="{FF2B5EF4-FFF2-40B4-BE49-F238E27FC236}">
+                <a16:creationId xmlns:a16="http://schemas.microsoft.com/office/drawing/2014/main" id="{C8077BE4-3309-4860-A7A2-F2E51AA60FDB}"/>
+              </a:ext>
+            </a:extLst>
+          </p:cNvPr>
+          <p:cNvSpPr/>
+          <p:nvPr/>
+        </p:nvSpPr>
+        <p:spPr>
+          <a:xfrm>
+            <a:off x="8272328" y="671483"/>
+            <a:ext cx="1030217" cy="1798252"/>
+          </a:xfrm>
+          <a:prstGeom prst="rect">
+            <a:avLst/>
+          </a:prstGeom>
+          <a:noFill/>
+        </p:spPr>
+        <p:style>
+          <a:lnRef idx="2">
+            <a:schemeClr val="accent1">
+              <a:shade val="50000"/>
+            </a:schemeClr>
+          </a:lnRef>
+          <a:fillRef idx="1">
+            <a:schemeClr val="accent1"/>
+          </a:fillRef>
+          <a:effectRef idx="0">
+            <a:schemeClr val="accent1"/>
+          </a:effectRef>
+          <a:fontRef idx="minor">
+            <a:schemeClr val="lt1"/>
+          </a:fontRef>
+        </p:style>
+        <p:txBody>
+          <a:bodyPr rtlCol="0" anchor="ctr"/>
+          <a:lstStyle/>
+          <a:p>
+            <a:pPr algn="ctr"/>
             <a:endParaRPr lang="en-ZA"/>
           </a:p>
         </p:txBody>
       </p:sp>
+      <p:sp>
+        <p:nvSpPr>
+          <p:cNvPr id="9" name="Rectangle 8">
+            <a:extLst>
+              <a:ext uri="{FF2B5EF4-FFF2-40B4-BE49-F238E27FC236}">
+                <a16:creationId xmlns:a16="http://schemas.microsoft.com/office/drawing/2014/main" id="{B1003F05-0D29-463E-A272-15E89E793824}"/>
+              </a:ext>
+            </a:extLst>
+          </p:cNvPr>
+          <p:cNvSpPr/>
+          <p:nvPr/>
+        </p:nvSpPr>
+        <p:spPr>
+          <a:xfrm>
+            <a:off x="1404809" y="671483"/>
+            <a:ext cx="6096000" cy="314770"/>
+          </a:xfrm>
+          <a:prstGeom prst="rect">
+            <a:avLst/>
+          </a:prstGeom>
+          <a:noFill/>
+        </p:spPr>
+        <p:style>
+          <a:lnRef idx="2">
+            <a:schemeClr val="accent1">
+              <a:shade val="50000"/>
+            </a:schemeClr>
+          </a:lnRef>
+          <a:fillRef idx="1">
+            <a:schemeClr val="accent1"/>
+          </a:fillRef>
+          <a:effectRef idx="0">
+            <a:schemeClr val="accent1"/>
+          </a:effectRef>
+          <a:fontRef idx="minor">
+            <a:schemeClr val="lt1"/>
+          </a:fontRef>
+        </p:style>
+        <p:txBody>
+          <a:bodyPr rtlCol="0" anchor="ctr"/>
+          <a:lstStyle/>
+          <a:p>
+            <a:pPr algn="ctr"/>
+            <a:endParaRPr lang="en-ZA"/>
+          </a:p>
+        </p:txBody>
+      </p:sp>
+      <p:sp>
+        <p:nvSpPr>
+          <p:cNvPr id="10" name="Rectangle 9">
+            <a:extLst>
+              <a:ext uri="{FF2B5EF4-FFF2-40B4-BE49-F238E27FC236}">
+                <a16:creationId xmlns:a16="http://schemas.microsoft.com/office/drawing/2014/main" id="{FB9241BE-06B5-4EA3-B88F-5AFF47891397}"/>
+              </a:ext>
+            </a:extLst>
+          </p:cNvPr>
+          <p:cNvSpPr/>
+          <p:nvPr/>
+        </p:nvSpPr>
+        <p:spPr>
+          <a:xfrm>
+            <a:off x="1404809" y="2154965"/>
+            <a:ext cx="6096000" cy="314770"/>
+          </a:xfrm>
+          <a:prstGeom prst="rect">
+            <a:avLst/>
+          </a:prstGeom>
+          <a:noFill/>
+        </p:spPr>
+        <p:style>
+          <a:lnRef idx="2">
+            <a:schemeClr val="accent1">
+              <a:shade val="50000"/>
+            </a:schemeClr>
+          </a:lnRef>
+          <a:fillRef idx="1">
+            <a:schemeClr val="accent1"/>
+          </a:fillRef>
+          <a:effectRef idx="0">
+            <a:schemeClr val="accent1"/>
+          </a:effectRef>
+          <a:fontRef idx="minor">
+            <a:schemeClr val="lt1"/>
+          </a:fontRef>
+        </p:style>
+        <p:txBody>
+          <a:bodyPr rtlCol="0" anchor="ctr"/>
+          <a:lstStyle/>
+          <a:p>
+            <a:pPr algn="ctr"/>
+            <a:endParaRPr lang="en-ZA"/>
+          </a:p>
+        </p:txBody>
+      </p:sp>
+      <p:cxnSp>
+        <p:nvCxnSpPr>
+          <p:cNvPr id="12" name="Straight Connector 11">
+            <a:extLst>
+              <a:ext uri="{FF2B5EF4-FFF2-40B4-BE49-F238E27FC236}">
+                <a16:creationId xmlns:a16="http://schemas.microsoft.com/office/drawing/2014/main" id="{2D6E06D4-8E09-4355-9320-6063D2AB2285}"/>
+              </a:ext>
+            </a:extLst>
+          </p:cNvPr>
+          <p:cNvCxnSpPr>
+            <a:cxnSpLocks/>
+          </p:cNvCxnSpPr>
+          <p:nvPr/>
+        </p:nvCxnSpPr>
+        <p:spPr>
+          <a:xfrm>
+            <a:off x="1404809" y="350378"/>
+            <a:ext cx="0" cy="2512463"/>
+          </a:xfrm>
+          <a:prstGeom prst="line">
+            <a:avLst/>
+          </a:prstGeom>
+        </p:spPr>
+        <p:style>
+          <a:lnRef idx="1">
+            <a:schemeClr val="accent1"/>
+          </a:lnRef>
+          <a:fillRef idx="0">
+            <a:schemeClr val="accent1"/>
+          </a:fillRef>
+          <a:effectRef idx="0">
+            <a:schemeClr val="accent1"/>
+          </a:effectRef>
+          <a:fontRef idx="minor">
+            <a:schemeClr val="tx1"/>
+          </a:fontRef>
+        </p:style>
+      </p:cxnSp>
+      <p:pic>
+        <p:nvPicPr>
+          <p:cNvPr id="14" name="Picture 13" descr="A close up of a logo&#10;&#10;Description automatically generated">
+            <a:extLst>
+              <a:ext uri="{FF2B5EF4-FFF2-40B4-BE49-F238E27FC236}">
+                <a16:creationId xmlns:a16="http://schemas.microsoft.com/office/drawing/2014/main" id="{5CC28711-427E-4926-B365-6443BF2FDC42}"/>
+              </a:ext>
+            </a:extLst>
+          </p:cNvPr>
+          <p:cNvPicPr>
+            <a:picLocks noChangeAspect="1"/>
+          </p:cNvPicPr>
+          <p:nvPr/>
+        </p:nvPicPr>
+        <p:blipFill>
+          <a:blip r:embed="rId4">
+            <a:extLst>
+              <a:ext uri="{28A0092B-C50C-407E-A947-70E740481C1C}">
+                <a14:useLocalDpi xmlns:a14="http://schemas.microsoft.com/office/drawing/2010/main" val="0"/>
+              </a:ext>
+            </a:extLst>
+          </a:blip>
+          <a:stretch>
+            <a:fillRect/>
+          </a:stretch>
+        </p:blipFill>
+        <p:spPr>
+          <a:xfrm>
+            <a:off x="5745473" y="1866246"/>
+            <a:ext cx="350527" cy="350527"/>
+          </a:xfrm>
+          <a:prstGeom prst="rect">
+            <a:avLst/>
+          </a:prstGeom>
+        </p:spPr>
+      </p:pic>
+      <p:pic>
+        <p:nvPicPr>
+          <p:cNvPr id="18" name="Picture 17">
+            <a:extLst>
+              <a:ext uri="{FF2B5EF4-FFF2-40B4-BE49-F238E27FC236}">
+                <a16:creationId xmlns:a16="http://schemas.microsoft.com/office/drawing/2014/main" id="{05F89DF8-0A88-4674-8F65-C03AA6E090A1}"/>
+              </a:ext>
+            </a:extLst>
+          </p:cNvPr>
+          <p:cNvPicPr>
+            <a:picLocks noChangeAspect="1"/>
+          </p:cNvPicPr>
+          <p:nvPr/>
+        </p:nvPicPr>
+        <p:blipFill>
+          <a:blip r:embed="rId5"/>
+          <a:stretch>
+            <a:fillRect/>
+          </a:stretch>
+        </p:blipFill>
+        <p:spPr>
+          <a:xfrm>
+            <a:off x="5143369" y="1961823"/>
+            <a:ext cx="314770" cy="314770"/>
+          </a:xfrm>
+          <a:prstGeom prst="rect">
+            <a:avLst/>
+          </a:prstGeom>
+        </p:spPr>
+      </p:pic>
+      <p:sp>
+        <p:nvSpPr>
+          <p:cNvPr id="21" name="Rectangle 20">
+            <a:extLst>
+              <a:ext uri="{FF2B5EF4-FFF2-40B4-BE49-F238E27FC236}">
+                <a16:creationId xmlns:a16="http://schemas.microsoft.com/office/drawing/2014/main" id="{DAF020C3-BCD4-457B-8C6E-B6E26BCC3FDF}"/>
+              </a:ext>
+            </a:extLst>
+          </p:cNvPr>
+          <p:cNvSpPr/>
+          <p:nvPr/>
+        </p:nvSpPr>
+        <p:spPr>
+          <a:xfrm>
+            <a:off x="1404809" y="3746545"/>
+            <a:ext cx="6096000" cy="1798252"/>
+          </a:xfrm>
+          <a:prstGeom prst="rect">
+            <a:avLst/>
+          </a:prstGeom>
+          <a:noFill/>
+        </p:spPr>
+        <p:style>
+          <a:lnRef idx="2">
+            <a:schemeClr val="accent1">
+              <a:shade val="50000"/>
+            </a:schemeClr>
+          </a:lnRef>
+          <a:fillRef idx="1">
+            <a:schemeClr val="accent1"/>
+          </a:fillRef>
+          <a:effectRef idx="0">
+            <a:schemeClr val="accent1"/>
+          </a:effectRef>
+          <a:fontRef idx="minor">
+            <a:schemeClr val="lt1"/>
+          </a:fontRef>
+        </p:style>
+        <p:txBody>
+          <a:bodyPr rtlCol="0" anchor="ctr"/>
+          <a:lstStyle/>
+          <a:p>
+            <a:pPr algn="ctr"/>
+            <a:endParaRPr lang="en-ZA"/>
+          </a:p>
+        </p:txBody>
+      </p:sp>
+      <p:sp>
+        <p:nvSpPr>
+          <p:cNvPr id="22" name="Rectangle 21">
+            <a:extLst>
+              <a:ext uri="{FF2B5EF4-FFF2-40B4-BE49-F238E27FC236}">
+                <a16:creationId xmlns:a16="http://schemas.microsoft.com/office/drawing/2014/main" id="{23BF74BF-CBC5-4FF8-A482-59378DF810D8}"/>
+              </a:ext>
+            </a:extLst>
+          </p:cNvPr>
+          <p:cNvSpPr/>
+          <p:nvPr/>
+        </p:nvSpPr>
+        <p:spPr>
+          <a:xfrm>
+            <a:off x="8272328" y="3728929"/>
+            <a:ext cx="1030217" cy="1798252"/>
+          </a:xfrm>
+          <a:prstGeom prst="rect">
+            <a:avLst/>
+          </a:prstGeom>
+          <a:noFill/>
+        </p:spPr>
+        <p:style>
+          <a:lnRef idx="2">
+            <a:schemeClr val="accent1">
+              <a:shade val="50000"/>
+            </a:schemeClr>
+          </a:lnRef>
+          <a:fillRef idx="1">
+            <a:schemeClr val="accent1"/>
+          </a:fillRef>
+          <a:effectRef idx="0">
+            <a:schemeClr val="accent1"/>
+          </a:effectRef>
+          <a:fontRef idx="minor">
+            <a:schemeClr val="lt1"/>
+          </a:fontRef>
+        </p:style>
+        <p:txBody>
+          <a:bodyPr rtlCol="0" anchor="ctr"/>
+          <a:lstStyle/>
+          <a:p>
+            <a:pPr algn="ctr"/>
+            <a:endParaRPr lang="en-ZA"/>
+          </a:p>
+        </p:txBody>
+      </p:sp>
+      <p:sp>
+        <p:nvSpPr>
+          <p:cNvPr id="23" name="Rectangle 22">
+            <a:extLst>
+              <a:ext uri="{FF2B5EF4-FFF2-40B4-BE49-F238E27FC236}">
+                <a16:creationId xmlns:a16="http://schemas.microsoft.com/office/drawing/2014/main" id="{C1D3BFC6-27B3-4E87-8320-5DE48BEE8D0F}"/>
+              </a:ext>
+            </a:extLst>
+          </p:cNvPr>
+          <p:cNvSpPr/>
+          <p:nvPr/>
+        </p:nvSpPr>
+        <p:spPr>
+          <a:xfrm>
+            <a:off x="3415470" y="3746545"/>
+            <a:ext cx="4085338" cy="314770"/>
+          </a:xfrm>
+          <a:prstGeom prst="rect">
+            <a:avLst/>
+          </a:prstGeom>
+          <a:noFill/>
+        </p:spPr>
+        <p:style>
+          <a:lnRef idx="2">
+            <a:schemeClr val="accent1">
+              <a:shade val="50000"/>
+            </a:schemeClr>
+          </a:lnRef>
+          <a:fillRef idx="1">
+            <a:schemeClr val="accent1"/>
+          </a:fillRef>
+          <a:effectRef idx="0">
+            <a:schemeClr val="accent1"/>
+          </a:effectRef>
+          <a:fontRef idx="minor">
+            <a:schemeClr val="lt1"/>
+          </a:fontRef>
+        </p:style>
+        <p:txBody>
+          <a:bodyPr rtlCol="0" anchor="ctr"/>
+          <a:lstStyle/>
+          <a:p>
+            <a:pPr algn="ctr"/>
+            <a:endParaRPr lang="en-ZA"/>
+          </a:p>
+        </p:txBody>
+      </p:sp>
+      <p:sp>
+        <p:nvSpPr>
+          <p:cNvPr id="24" name="Rectangle 23">
+            <a:extLst>
+              <a:ext uri="{FF2B5EF4-FFF2-40B4-BE49-F238E27FC236}">
+                <a16:creationId xmlns:a16="http://schemas.microsoft.com/office/drawing/2014/main" id="{C315A0F1-70A8-43C2-9627-3748BF35C6B7}"/>
+              </a:ext>
+            </a:extLst>
+          </p:cNvPr>
+          <p:cNvSpPr/>
+          <p:nvPr/>
+        </p:nvSpPr>
+        <p:spPr>
+          <a:xfrm>
+            <a:off x="3415469" y="5230027"/>
+            <a:ext cx="4085339" cy="314770"/>
+          </a:xfrm>
+          <a:prstGeom prst="rect">
+            <a:avLst/>
+          </a:prstGeom>
+          <a:noFill/>
+        </p:spPr>
+        <p:style>
+          <a:lnRef idx="2">
+            <a:schemeClr val="accent1">
+              <a:shade val="50000"/>
+            </a:schemeClr>
+          </a:lnRef>
+          <a:fillRef idx="1">
+            <a:schemeClr val="accent1"/>
+          </a:fillRef>
+          <a:effectRef idx="0">
+            <a:schemeClr val="accent1"/>
+          </a:effectRef>
+          <a:fontRef idx="minor">
+            <a:schemeClr val="lt1"/>
+          </a:fontRef>
+        </p:style>
+        <p:txBody>
+          <a:bodyPr rtlCol="0" anchor="ctr"/>
+          <a:lstStyle/>
+          <a:p>
+            <a:pPr algn="ctr"/>
+            <a:endParaRPr lang="en-ZA"/>
+          </a:p>
+        </p:txBody>
+      </p:sp>
+      <p:cxnSp>
+        <p:nvCxnSpPr>
+          <p:cNvPr id="25" name="Straight Connector 24">
+            <a:extLst>
+              <a:ext uri="{FF2B5EF4-FFF2-40B4-BE49-F238E27FC236}">
+                <a16:creationId xmlns:a16="http://schemas.microsoft.com/office/drawing/2014/main" id="{A017CD0E-FC9C-4066-96FF-C30F608A0AA2}"/>
+              </a:ext>
+            </a:extLst>
+          </p:cNvPr>
+          <p:cNvCxnSpPr>
+            <a:cxnSpLocks/>
+          </p:cNvCxnSpPr>
+          <p:nvPr/>
+        </p:nvCxnSpPr>
+        <p:spPr>
+          <a:xfrm>
+            <a:off x="1404809" y="3425440"/>
+            <a:ext cx="0" cy="2512463"/>
+          </a:xfrm>
+          <a:prstGeom prst="line">
+            <a:avLst/>
+          </a:prstGeom>
+        </p:spPr>
+        <p:style>
+          <a:lnRef idx="1">
+            <a:schemeClr val="accent1"/>
+          </a:lnRef>
+          <a:fillRef idx="0">
+            <a:schemeClr val="accent1"/>
+          </a:fillRef>
+          <a:effectRef idx="0">
+            <a:schemeClr val="accent1"/>
+          </a:effectRef>
+          <a:fontRef idx="minor">
+            <a:schemeClr val="tx1"/>
+          </a:fontRef>
+        </p:style>
+      </p:cxnSp>
+      <p:pic>
+        <p:nvPicPr>
+          <p:cNvPr id="26" name="Picture 25" descr="A close up of a logo&#10;&#10;Description automatically generated">
+            <a:extLst>
+              <a:ext uri="{FF2B5EF4-FFF2-40B4-BE49-F238E27FC236}">
+                <a16:creationId xmlns:a16="http://schemas.microsoft.com/office/drawing/2014/main" id="{DA7399D6-043A-490F-BF9F-3E142C5C46B9}"/>
+              </a:ext>
+            </a:extLst>
+          </p:cNvPr>
+          <p:cNvPicPr>
+            <a:picLocks noChangeAspect="1"/>
+          </p:cNvPicPr>
+          <p:nvPr/>
+        </p:nvPicPr>
+        <p:blipFill>
+          <a:blip r:embed="rId4">
+            <a:extLst>
+              <a:ext uri="{28A0092B-C50C-407E-A947-70E740481C1C}">
+                <a14:useLocalDpi xmlns:a14="http://schemas.microsoft.com/office/drawing/2010/main" val="0"/>
+              </a:ext>
+            </a:extLst>
+          </a:blip>
+          <a:stretch>
+            <a:fillRect/>
+          </a:stretch>
+        </p:blipFill>
+        <p:spPr>
+          <a:xfrm>
+            <a:off x="2011827" y="3849094"/>
+            <a:ext cx="394247" cy="394247"/>
+          </a:xfrm>
+          <a:prstGeom prst="rect">
+            <a:avLst/>
+          </a:prstGeom>
+        </p:spPr>
+      </p:pic>
+      <p:pic>
+        <p:nvPicPr>
+          <p:cNvPr id="27" name="Picture 26">
+            <a:extLst>
+              <a:ext uri="{FF2B5EF4-FFF2-40B4-BE49-F238E27FC236}">
+                <a16:creationId xmlns:a16="http://schemas.microsoft.com/office/drawing/2014/main" id="{587F992D-BB2B-4B22-8F27-45939CFDF201}"/>
+              </a:ext>
+            </a:extLst>
+          </p:cNvPr>
+          <p:cNvPicPr>
+            <a:picLocks noChangeAspect="1"/>
+          </p:cNvPicPr>
+          <p:nvPr/>
+        </p:nvPicPr>
+        <p:blipFill>
+          <a:blip r:embed="rId5"/>
+          <a:stretch>
+            <a:fillRect/>
+          </a:stretch>
+        </p:blipFill>
+        <p:spPr>
+          <a:xfrm>
+            <a:off x="2756531" y="3817068"/>
+            <a:ext cx="314770" cy="314770"/>
+          </a:xfrm>
+          <a:prstGeom prst="rect">
+            <a:avLst/>
+          </a:prstGeom>
+        </p:spPr>
+      </p:pic>
+      <p:pic>
+        <p:nvPicPr>
+          <p:cNvPr id="28" name="Picture 27" descr="A close up of a logo&#10;&#10;Description automatically generated">
+            <a:extLst>
+              <a:ext uri="{FF2B5EF4-FFF2-40B4-BE49-F238E27FC236}">
+                <a16:creationId xmlns:a16="http://schemas.microsoft.com/office/drawing/2014/main" id="{1CC9954B-4CA4-40FB-AB89-F79DA63C30BE}"/>
+              </a:ext>
+            </a:extLst>
+          </p:cNvPr>
+          <p:cNvPicPr>
+            <a:picLocks noChangeAspect="1"/>
+          </p:cNvPicPr>
+          <p:nvPr/>
+        </p:nvPicPr>
+        <p:blipFill>
+          <a:blip r:embed="rId4">
+            <a:extLst>
+              <a:ext uri="{28A0092B-C50C-407E-A947-70E740481C1C}">
+                <a14:useLocalDpi xmlns:a14="http://schemas.microsoft.com/office/drawing/2010/main" val="0"/>
+              </a:ext>
+            </a:extLst>
+          </a:blip>
+          <a:stretch>
+            <a:fillRect/>
+          </a:stretch>
+        </p:blipFill>
+        <p:spPr>
+          <a:xfrm>
+            <a:off x="5920736" y="4969130"/>
+            <a:ext cx="350527" cy="350527"/>
+          </a:xfrm>
+          <a:prstGeom prst="rect">
+            <a:avLst/>
+          </a:prstGeom>
+        </p:spPr>
+      </p:pic>
+      <p:cxnSp>
+        <p:nvCxnSpPr>
+          <p:cNvPr id="31" name="Connector: Elbow 30">
+            <a:extLst>
+              <a:ext uri="{FF2B5EF4-FFF2-40B4-BE49-F238E27FC236}">
+                <a16:creationId xmlns:a16="http://schemas.microsoft.com/office/drawing/2014/main" id="{682AF310-0CC8-447B-A01B-D8929EC9EC03}"/>
+              </a:ext>
+            </a:extLst>
+          </p:cNvPr>
+          <p:cNvCxnSpPr>
+            <a:cxnSpLocks/>
+            <a:stCxn id="14" idx="3"/>
+          </p:cNvCxnSpPr>
+          <p:nvPr/>
+        </p:nvCxnSpPr>
+        <p:spPr>
+          <a:xfrm flipV="1">
+            <a:off x="6096000" y="1850390"/>
+            <a:ext cx="3011621" cy="191120"/>
+          </a:xfrm>
+          <a:prstGeom prst="bentConnector3">
+            <a:avLst/>
+          </a:prstGeom>
+          <a:ln>
+            <a:headEnd type="triangle"/>
+            <a:tailEnd type="triangle"/>
+          </a:ln>
+        </p:spPr>
+        <p:style>
+          <a:lnRef idx="1">
+            <a:schemeClr val="accent1"/>
+          </a:lnRef>
+          <a:fillRef idx="0">
+            <a:schemeClr val="accent1"/>
+          </a:fillRef>
+          <a:effectRef idx="0">
+            <a:schemeClr val="accent1"/>
+          </a:effectRef>
+          <a:fontRef idx="minor">
+            <a:schemeClr val="tx1"/>
+          </a:fontRef>
+        </p:style>
+      </p:cxnSp>
+      <p:cxnSp>
+        <p:nvCxnSpPr>
+          <p:cNvPr id="32" name="Connector: Elbow 31">
+            <a:extLst>
+              <a:ext uri="{FF2B5EF4-FFF2-40B4-BE49-F238E27FC236}">
+                <a16:creationId xmlns:a16="http://schemas.microsoft.com/office/drawing/2014/main" id="{155801A1-B191-4FB9-AC7B-8DDD16D47E08}"/>
+              </a:ext>
+            </a:extLst>
+          </p:cNvPr>
+          <p:cNvCxnSpPr>
+            <a:cxnSpLocks/>
+          </p:cNvCxnSpPr>
+          <p:nvPr/>
+        </p:nvCxnSpPr>
+        <p:spPr>
+          <a:xfrm flipV="1">
+            <a:off x="6205681" y="4945019"/>
+            <a:ext cx="2776631" cy="146501"/>
+          </a:xfrm>
+          <a:prstGeom prst="bentConnector3">
+            <a:avLst/>
+          </a:prstGeom>
+          <a:ln>
+            <a:headEnd type="triangle"/>
+            <a:tailEnd type="triangle"/>
+          </a:ln>
+        </p:spPr>
+        <p:style>
+          <a:lnRef idx="1">
+            <a:schemeClr val="accent1"/>
+          </a:lnRef>
+          <a:fillRef idx="0">
+            <a:schemeClr val="accent1"/>
+          </a:fillRef>
+          <a:effectRef idx="0">
+            <a:schemeClr val="accent1"/>
+          </a:effectRef>
+          <a:fontRef idx="minor">
+            <a:schemeClr val="tx1"/>
+          </a:fontRef>
+        </p:style>
+      </p:cxnSp>
+      <p:pic>
+        <p:nvPicPr>
+          <p:cNvPr id="33" name="Picture 32">
+            <a:extLst>
+              <a:ext uri="{FF2B5EF4-FFF2-40B4-BE49-F238E27FC236}">
+                <a16:creationId xmlns:a16="http://schemas.microsoft.com/office/drawing/2014/main" id="{FC811C7A-AFA1-4FC5-A6A4-7A6D00E6E525}"/>
+              </a:ext>
+            </a:extLst>
+          </p:cNvPr>
+          <p:cNvPicPr>
+            <a:picLocks noChangeAspect="1"/>
+          </p:cNvPicPr>
+          <p:nvPr/>
+        </p:nvPicPr>
+        <p:blipFill>
+          <a:blip r:embed="rId6"/>
+          <a:stretch>
+            <a:fillRect/>
+          </a:stretch>
+        </p:blipFill>
+        <p:spPr>
+          <a:xfrm>
+            <a:off x="1841010" y="4233809"/>
+            <a:ext cx="247695" cy="247695"/>
+          </a:xfrm>
+          <a:prstGeom prst="rect">
+            <a:avLst/>
+          </a:prstGeom>
+        </p:spPr>
+      </p:pic>
+      <p:pic>
+        <p:nvPicPr>
+          <p:cNvPr id="34" name="Picture 33">
+            <a:extLst>
+              <a:ext uri="{FF2B5EF4-FFF2-40B4-BE49-F238E27FC236}">
+                <a16:creationId xmlns:a16="http://schemas.microsoft.com/office/drawing/2014/main" id="{D85C16A9-7037-4EE3-8B76-6421E6602790}"/>
+              </a:ext>
+            </a:extLst>
+          </p:cNvPr>
+          <p:cNvPicPr>
+            <a:picLocks noChangeAspect="1"/>
+          </p:cNvPicPr>
+          <p:nvPr/>
+        </p:nvPicPr>
+        <p:blipFill>
+          <a:blip r:embed="rId7"/>
+          <a:stretch>
+            <a:fillRect/>
+          </a:stretch>
+        </p:blipFill>
+        <p:spPr>
+          <a:xfrm>
+            <a:off x="8787436" y="1400007"/>
+            <a:ext cx="320185" cy="320185"/>
+          </a:xfrm>
+          <a:prstGeom prst="rect">
+            <a:avLst/>
+          </a:prstGeom>
+        </p:spPr>
+      </p:pic>
+      <p:pic>
+        <p:nvPicPr>
+          <p:cNvPr id="36" name="Picture 35">
+            <a:extLst>
+              <a:ext uri="{FF2B5EF4-FFF2-40B4-BE49-F238E27FC236}">
+                <a16:creationId xmlns:a16="http://schemas.microsoft.com/office/drawing/2014/main" id="{FD4CE1F9-03EB-4AF8-B90B-003D7AB1FEE3}"/>
+              </a:ext>
+            </a:extLst>
+          </p:cNvPr>
+          <p:cNvPicPr>
+            <a:picLocks noChangeAspect="1"/>
+          </p:cNvPicPr>
+          <p:nvPr/>
+        </p:nvPicPr>
+        <p:blipFill>
+          <a:blip r:embed="rId7"/>
+          <a:stretch>
+            <a:fillRect/>
+          </a:stretch>
+        </p:blipFill>
+        <p:spPr>
+          <a:xfrm>
+            <a:off x="8796130" y="4398913"/>
+            <a:ext cx="320185" cy="320185"/>
+          </a:xfrm>
+          <a:prstGeom prst="rect">
+            <a:avLst/>
+          </a:prstGeom>
+        </p:spPr>
+      </p:pic>
+      <p:sp>
+        <p:nvSpPr>
+          <p:cNvPr id="37" name="TextBox 36">
+            <a:extLst>
+              <a:ext uri="{FF2B5EF4-FFF2-40B4-BE49-F238E27FC236}">
+                <a16:creationId xmlns:a16="http://schemas.microsoft.com/office/drawing/2014/main" id="{1099396A-0387-48A3-AA2B-7EF869DF3C71}"/>
+              </a:ext>
+            </a:extLst>
+          </p:cNvPr>
+          <p:cNvSpPr txBox="1"/>
+          <p:nvPr/>
+        </p:nvSpPr>
+        <p:spPr>
+          <a:xfrm>
+            <a:off x="3747782" y="844828"/>
+            <a:ext cx="1410054" cy="369332"/>
+          </a:xfrm>
+          <a:prstGeom prst="rect">
+            <a:avLst/>
+          </a:prstGeom>
+          <a:gradFill>
+            <a:gsLst>
+              <a:gs pos="0">
+                <a:schemeClr val="accent1">
+                  <a:lumMod val="5000"/>
+                  <a:lumOff val="95000"/>
+                </a:schemeClr>
+              </a:gs>
+              <a:gs pos="74000">
+                <a:schemeClr val="accent1">
+                  <a:lumMod val="45000"/>
+                  <a:lumOff val="55000"/>
+                </a:schemeClr>
+              </a:gs>
+              <a:gs pos="83000">
+                <a:schemeClr val="accent1">
+                  <a:lumMod val="45000"/>
+                  <a:lumOff val="55000"/>
+                </a:schemeClr>
+              </a:gs>
+              <a:gs pos="100000">
+                <a:schemeClr val="accent1">
+                  <a:lumMod val="30000"/>
+                  <a:lumOff val="70000"/>
+                </a:schemeClr>
+              </a:gs>
+            </a:gsLst>
+            <a:lin ang="5400000" scaled="1"/>
+          </a:gradFill>
+        </p:spPr>
+        <p:txBody>
+          <a:bodyPr wrap="square" rtlCol="0">
+            <a:spAutoFit/>
+          </a:bodyPr>
+          <a:lstStyle/>
+          <a:p>
+            <a:pPr algn="ctr"/>
+            <a:r>
+              <a:rPr lang="en-ZA" dirty="0"/>
+              <a:t>Current</a:t>
+            </a:r>
+          </a:p>
+        </p:txBody>
+      </p:sp>
+      <p:sp>
+        <p:nvSpPr>
+          <p:cNvPr id="38" name="TextBox 37">
+            <a:extLst>
+              <a:ext uri="{FF2B5EF4-FFF2-40B4-BE49-F238E27FC236}">
+                <a16:creationId xmlns:a16="http://schemas.microsoft.com/office/drawing/2014/main" id="{7A218F47-5CC4-4346-A415-1D1634B87C00}"/>
+              </a:ext>
+            </a:extLst>
+          </p:cNvPr>
+          <p:cNvSpPr txBox="1"/>
+          <p:nvPr/>
+        </p:nvSpPr>
+        <p:spPr>
+          <a:xfrm>
+            <a:off x="4335419" y="3935287"/>
+            <a:ext cx="1410054" cy="369332"/>
+          </a:xfrm>
+          <a:prstGeom prst="rect">
+            <a:avLst/>
+          </a:prstGeom>
+          <a:gradFill>
+            <a:gsLst>
+              <a:gs pos="0">
+                <a:schemeClr val="accent1">
+                  <a:lumMod val="5000"/>
+                  <a:lumOff val="95000"/>
+                </a:schemeClr>
+              </a:gs>
+              <a:gs pos="74000">
+                <a:schemeClr val="accent1">
+                  <a:lumMod val="45000"/>
+                  <a:lumOff val="55000"/>
+                </a:schemeClr>
+              </a:gs>
+              <a:gs pos="83000">
+                <a:schemeClr val="accent1">
+                  <a:lumMod val="45000"/>
+                  <a:lumOff val="55000"/>
+                </a:schemeClr>
+              </a:gs>
+              <a:gs pos="100000">
+                <a:schemeClr val="accent1">
+                  <a:lumMod val="30000"/>
+                  <a:lumOff val="70000"/>
+                </a:schemeClr>
+              </a:gs>
+            </a:gsLst>
+            <a:lin ang="5400000" scaled="1"/>
+          </a:gradFill>
+        </p:spPr>
+        <p:txBody>
+          <a:bodyPr wrap="square" rtlCol="0">
+            <a:spAutoFit/>
+          </a:bodyPr>
+          <a:lstStyle/>
+          <a:p>
+            <a:pPr algn="ctr"/>
+            <a:r>
+              <a:rPr lang="en-ZA" dirty="0"/>
+              <a:t>Planned</a:t>
+            </a:r>
+          </a:p>
+        </p:txBody>
+      </p:sp>
+      <p:sp>
+        <p:nvSpPr>
+          <p:cNvPr id="39" name="Rectangle 38">
+            <a:extLst>
+              <a:ext uri="{FF2B5EF4-FFF2-40B4-BE49-F238E27FC236}">
+                <a16:creationId xmlns:a16="http://schemas.microsoft.com/office/drawing/2014/main" id="{151B5A90-448C-49FC-9290-FB2CFC13933E}"/>
+              </a:ext>
+            </a:extLst>
+          </p:cNvPr>
+          <p:cNvSpPr/>
+          <p:nvPr/>
+        </p:nvSpPr>
+        <p:spPr>
+          <a:xfrm>
+            <a:off x="1774304" y="4398913"/>
+            <a:ext cx="820695" cy="314770"/>
+          </a:xfrm>
+          <a:prstGeom prst="rect">
+            <a:avLst/>
+          </a:prstGeom>
+          <a:noFill/>
+        </p:spPr>
+        <p:style>
+          <a:lnRef idx="2">
+            <a:schemeClr val="accent1">
+              <a:shade val="50000"/>
+            </a:schemeClr>
+          </a:lnRef>
+          <a:fillRef idx="1">
+            <a:schemeClr val="accent1"/>
+          </a:fillRef>
+          <a:effectRef idx="0">
+            <a:schemeClr val="accent1"/>
+          </a:effectRef>
+          <a:fontRef idx="minor">
+            <a:schemeClr val="lt1"/>
+          </a:fontRef>
+        </p:style>
+        <p:txBody>
+          <a:bodyPr rtlCol="0" anchor="ctr"/>
+          <a:lstStyle/>
+          <a:p>
+            <a:pPr algn="ctr"/>
+            <a:endParaRPr lang="en-ZA"/>
+          </a:p>
+        </p:txBody>
+      </p:sp>
+      <p:pic>
+        <p:nvPicPr>
+          <p:cNvPr id="43" name="Picture 42">
+            <a:extLst>
+              <a:ext uri="{FF2B5EF4-FFF2-40B4-BE49-F238E27FC236}">
+                <a16:creationId xmlns:a16="http://schemas.microsoft.com/office/drawing/2014/main" id="{BD24054D-4038-4BFA-93B5-AA0E164FD4A5}"/>
+              </a:ext>
+            </a:extLst>
+          </p:cNvPr>
+          <p:cNvPicPr>
+            <a:picLocks noChangeAspect="1"/>
+          </p:cNvPicPr>
+          <p:nvPr/>
+        </p:nvPicPr>
+        <p:blipFill>
+          <a:blip r:embed="rId5"/>
+          <a:stretch>
+            <a:fillRect/>
+          </a:stretch>
+        </p:blipFill>
+        <p:spPr>
+          <a:xfrm>
+            <a:off x="5458138" y="5003888"/>
+            <a:ext cx="314770" cy="314770"/>
+          </a:xfrm>
+          <a:prstGeom prst="rect">
+            <a:avLst/>
+          </a:prstGeom>
+        </p:spPr>
+      </p:pic>
     </p:spTree>
     <p:extLst>
       <p:ext uri="{BB962C8B-B14F-4D97-AF65-F5344CB8AC3E}">
